--- a/presentation/Text Mining Project.pptx
+++ b/presentation/Text Mining Project.pptx
@@ -26,28 +26,30 @@
     <p:sldId id="271" r:id="rId22"/>
     <p:sldId id="272" r:id="rId23"/>
     <p:sldId id="273" r:id="rId24"/>
+    <p:sldId id="274" r:id="rId25"/>
+    <p:sldId id="275" r:id="rId26"/>
   </p:sldIdLst>
   <p:sldSz cy="5143500" cx="9144000"/>
   <p:notesSz cx="6858000" cy="9144000"/>
   <p:embeddedFontLst>
     <p:embeddedFont>
       <p:font typeface="Roboto"/>
-      <p:regular r:id="rId25"/>
-      <p:bold r:id="rId26"/>
-      <p:italic r:id="rId27"/>
-      <p:boldItalic r:id="rId28"/>
+      <p:regular r:id="rId27"/>
+      <p:bold r:id="rId28"/>
+      <p:italic r:id="rId29"/>
+      <p:boldItalic r:id="rId30"/>
     </p:embeddedFont>
     <p:embeddedFont>
       <p:font typeface="Maven Pro"/>
-      <p:regular r:id="rId29"/>
-      <p:bold r:id="rId30"/>
+      <p:regular r:id="rId31"/>
+      <p:bold r:id="rId32"/>
     </p:embeddedFont>
     <p:embeddedFont>
       <p:font typeface="Merriweather"/>
-      <p:regular r:id="rId31"/>
-      <p:bold r:id="rId32"/>
-      <p:italic r:id="rId33"/>
-      <p:boldItalic r:id="rId34"/>
+      <p:regular r:id="rId33"/>
+      <p:bold r:id="rId34"/>
+      <p:italic r:id="rId35"/>
+      <p:boldItalic r:id="rId36"/>
     </p:embeddedFont>
   </p:embeddedFontLst>
   <p:defaultTextStyle>
@@ -1714,6 +1716,105 @@
 </p:notes>
 </file>
 
+<file path=ppt/notesSlides/notesSlide19.xml><?xml version="1.0" encoding="utf-8"?>
+<p:notes xmlns:a="http://schemas.openxmlformats.org/drawingml/2006/main" xmlns:r="http://schemas.openxmlformats.org/officeDocument/2006/relationships" xmlns:mc="http://schemas.openxmlformats.org/markup-compatibility/2006" xmlns:mv="urn:schemas-microsoft-com:mac:vml" xmlns:p="http://schemas.openxmlformats.org/presentationml/2006/main" xmlns:c="http://schemas.openxmlformats.org/drawingml/2006/chart" xmlns:dgm="http://schemas.openxmlformats.org/drawingml/2006/diagram" xmlns:o="urn:schemas-microsoft-com:office:office" xmlns:v="urn:schemas-microsoft-com:vml" xmlns:pvml="urn:schemas-microsoft-com:office:powerpoint" xmlns:com="http://schemas.openxmlformats.org/drawingml/2006/compatibility" xmlns:p14="http://schemas.microsoft.com/office/powerpoint/2010/main" xmlns:p15="http://schemas.microsoft.com/office/powerpoint/2012/main" showMasterPhAnim="0" showMasterSp="0">
+  <p:cSld>
+    <p:spTree>
+      <p:nvGrpSpPr>
+        <p:cNvPr id="173" name="Shape 173"/>
+        <p:cNvGrpSpPr/>
+        <p:nvPr/>
+      </p:nvGrpSpPr>
+      <p:grpSpPr>
+        <a:xfrm>
+          <a:off x="0" y="0"/>
+          <a:ext cx="0" cy="0"/>
+          <a:chOff x="0" y="0"/>
+          <a:chExt cx="0" cy="0"/>
+        </a:xfrm>
+      </p:grpSpPr>
+      <p:sp>
+        <p:nvSpPr>
+          <p:cNvPr id="174" name="Google Shape;174;g8dccac5095_1_59:notes"/>
+          <p:cNvSpPr/>
+          <p:nvPr>
+            <p:ph idx="2" type="sldImg"/>
+          </p:nvPr>
+        </p:nvSpPr>
+        <p:spPr>
+          <a:xfrm>
+            <a:off x="381300" y="685800"/>
+            <a:ext cx="6096000" cy="3429000"/>
+          </a:xfrm>
+          <a:custGeom>
+            <a:rect b="b" l="l" r="r" t="t"/>
+            <a:pathLst>
+              <a:path extrusionOk="0" h="120000" w="120000">
+                <a:moveTo>
+                  <a:pt x="0" y="0"/>
+                </a:moveTo>
+                <a:lnTo>
+                  <a:pt x="120000" y="0"/>
+                </a:lnTo>
+                <a:lnTo>
+                  <a:pt x="120000" y="120000"/>
+                </a:lnTo>
+                <a:lnTo>
+                  <a:pt x="0" y="120000"/>
+                </a:lnTo>
+                <a:close/>
+              </a:path>
+            </a:pathLst>
+          </a:custGeom>
+        </p:spPr>
+      </p:sp>
+      <p:sp>
+        <p:nvSpPr>
+          <p:cNvPr id="175" name="Google Shape;175;g8dccac5095_1_59:notes"/>
+          <p:cNvSpPr txBox="1"/>
+          <p:nvPr>
+            <p:ph idx="1" type="body"/>
+          </p:nvPr>
+        </p:nvSpPr>
+        <p:spPr>
+          <a:xfrm>
+            <a:off x="685800" y="4343400"/>
+            <a:ext cx="5486400" cy="4114800"/>
+          </a:xfrm>
+          <a:prstGeom prst="rect">
+            <a:avLst/>
+          </a:prstGeom>
+        </p:spPr>
+        <p:txBody>
+          <a:bodyPr anchorCtr="0" anchor="t" bIns="91425" lIns="91425" spcFirstLastPara="1" rIns="91425" wrap="square" tIns="91425">
+            <a:noAutofit/>
+          </a:bodyPr>
+          <a:lstStyle/>
+          <a:p>
+            <a:pPr indent="0" lvl="0" marL="0" rtl="0" algn="l">
+              <a:spcBef>
+                <a:spcPts val="0"/>
+              </a:spcBef>
+              <a:spcAft>
+                <a:spcPts val="0"/>
+              </a:spcAft>
+              <a:buNone/>
+            </a:pPr>
+            <a:r>
+              <a:t/>
+            </a:r>
+            <a:endParaRPr/>
+          </a:p>
+        </p:txBody>
+      </p:sp>
+    </p:spTree>
+  </p:cSld>
+  <p:clrMapOvr>
+    <a:masterClrMapping/>
+  </p:clrMapOvr>
+</p:notes>
+</file>
+
 <file path=ppt/notesSlides/notesSlide2.xml><?xml version="1.0" encoding="utf-8"?>
 <p:notes xmlns:a="http://schemas.openxmlformats.org/drawingml/2006/main" xmlns:r="http://schemas.openxmlformats.org/officeDocument/2006/relationships" xmlns:mc="http://schemas.openxmlformats.org/markup-compatibility/2006" xmlns:mv="urn:schemas-microsoft-com:mac:vml" xmlns:p="http://schemas.openxmlformats.org/presentationml/2006/main" xmlns:c="http://schemas.openxmlformats.org/drawingml/2006/chart" xmlns:dgm="http://schemas.openxmlformats.org/drawingml/2006/diagram" xmlns:o="urn:schemas-microsoft-com:office:office" xmlns:v="urn:schemas-microsoft-com:vml" xmlns:pvml="urn:schemas-microsoft-com:office:powerpoint" xmlns:com="http://schemas.openxmlformats.org/drawingml/2006/compatibility" xmlns:p14="http://schemas.microsoft.com/office/powerpoint/2010/main" xmlns:p15="http://schemas.microsoft.com/office/powerpoint/2012/main" showMasterPhAnim="0" showMasterSp="0">
   <p:cSld>
@@ -1769,6 +1870,105 @@
       <p:sp>
         <p:nvSpPr>
           <p:cNvPr id="68" name="Google Shape;68;g866bcae6f5_0_119:notes"/>
+          <p:cNvSpPr txBox="1"/>
+          <p:nvPr>
+            <p:ph idx="1" type="body"/>
+          </p:nvPr>
+        </p:nvSpPr>
+        <p:spPr>
+          <a:xfrm>
+            <a:off x="685800" y="4343400"/>
+            <a:ext cx="5486400" cy="4114800"/>
+          </a:xfrm>
+          <a:prstGeom prst="rect">
+            <a:avLst/>
+          </a:prstGeom>
+        </p:spPr>
+        <p:txBody>
+          <a:bodyPr anchorCtr="0" anchor="t" bIns="91425" lIns="91425" spcFirstLastPara="1" rIns="91425" wrap="square" tIns="91425">
+            <a:noAutofit/>
+          </a:bodyPr>
+          <a:lstStyle/>
+          <a:p>
+            <a:pPr indent="0" lvl="0" marL="0" rtl="0" algn="l">
+              <a:spcBef>
+                <a:spcPts val="0"/>
+              </a:spcBef>
+              <a:spcAft>
+                <a:spcPts val="0"/>
+              </a:spcAft>
+              <a:buNone/>
+            </a:pPr>
+            <a:r>
+              <a:t/>
+            </a:r>
+            <a:endParaRPr/>
+          </a:p>
+        </p:txBody>
+      </p:sp>
+    </p:spTree>
+  </p:cSld>
+  <p:clrMapOvr>
+    <a:masterClrMapping/>
+  </p:clrMapOvr>
+</p:notes>
+</file>
+
+<file path=ppt/notesSlides/notesSlide20.xml><?xml version="1.0" encoding="utf-8"?>
+<p:notes xmlns:a="http://schemas.openxmlformats.org/drawingml/2006/main" xmlns:r="http://schemas.openxmlformats.org/officeDocument/2006/relationships" xmlns:mc="http://schemas.openxmlformats.org/markup-compatibility/2006" xmlns:mv="urn:schemas-microsoft-com:mac:vml" xmlns:p="http://schemas.openxmlformats.org/presentationml/2006/main" xmlns:c="http://schemas.openxmlformats.org/drawingml/2006/chart" xmlns:dgm="http://schemas.openxmlformats.org/drawingml/2006/diagram" xmlns:o="urn:schemas-microsoft-com:office:office" xmlns:v="urn:schemas-microsoft-com:vml" xmlns:pvml="urn:schemas-microsoft-com:office:powerpoint" xmlns:com="http://schemas.openxmlformats.org/drawingml/2006/compatibility" xmlns:p14="http://schemas.microsoft.com/office/powerpoint/2010/main" xmlns:p15="http://schemas.microsoft.com/office/powerpoint/2012/main" showMasterPhAnim="0" showMasterSp="0">
+  <p:cSld>
+    <p:spTree>
+      <p:nvGrpSpPr>
+        <p:cNvPr id="179" name="Shape 179"/>
+        <p:cNvGrpSpPr/>
+        <p:nvPr/>
+      </p:nvGrpSpPr>
+      <p:grpSpPr>
+        <a:xfrm>
+          <a:off x="0" y="0"/>
+          <a:ext cx="0" cy="0"/>
+          <a:chOff x="0" y="0"/>
+          <a:chExt cx="0" cy="0"/>
+        </a:xfrm>
+      </p:grpSpPr>
+      <p:sp>
+        <p:nvSpPr>
+          <p:cNvPr id="180" name="Google Shape;180;g8dccac5095_1_0:notes"/>
+          <p:cNvSpPr/>
+          <p:nvPr>
+            <p:ph idx="2" type="sldImg"/>
+          </p:nvPr>
+        </p:nvSpPr>
+        <p:spPr>
+          <a:xfrm>
+            <a:off x="381300" y="685800"/>
+            <a:ext cx="6096000" cy="3429000"/>
+          </a:xfrm>
+          <a:custGeom>
+            <a:rect b="b" l="l" r="r" t="t"/>
+            <a:pathLst>
+              <a:path extrusionOk="0" h="120000" w="120000">
+                <a:moveTo>
+                  <a:pt x="0" y="0"/>
+                </a:moveTo>
+                <a:lnTo>
+                  <a:pt x="120000" y="0"/>
+                </a:lnTo>
+                <a:lnTo>
+                  <a:pt x="120000" y="120000"/>
+                </a:lnTo>
+                <a:lnTo>
+                  <a:pt x="0" y="120000"/>
+                </a:lnTo>
+                <a:close/>
+              </a:path>
+            </a:pathLst>
+          </a:custGeom>
+        </p:spPr>
+      </p:sp>
+      <p:sp>
+        <p:nvSpPr>
+          <p:cNvPr id="181" name="Google Shape;181;g8dccac5095_1_0:notes"/>
           <p:cNvSpPr txBox="1"/>
           <p:nvPr>
             <p:ph idx="1" type="body"/>
@@ -10373,7 +10573,7 @@
             <a:tbl>
               <a:tblPr>
                 <a:noFill/>
-                <a:tableStyleId>{400A537F-199F-41D9-946D-D12B818277E3}</a:tableStyleId>
+                <a:tableStyleId>{6A63F788-8EE4-4352-9352-BDE6350BE97C}</a:tableStyleId>
               </a:tblPr>
               <a:tblGrid>
                 <a:gridCol w="1809750"/>
@@ -11486,6 +11686,248 @@
 </p:sld>
 </file>
 
+<file path=ppt/slides/slide19.xml><?xml version="1.0" encoding="utf-8"?>
+<p:sld xmlns:a="http://schemas.openxmlformats.org/drawingml/2006/main" xmlns:r="http://schemas.openxmlformats.org/officeDocument/2006/relationships" xmlns:mc="http://schemas.openxmlformats.org/markup-compatibility/2006" xmlns:mv="urn:schemas-microsoft-com:mac:vml" xmlns:p="http://schemas.openxmlformats.org/presentationml/2006/main" xmlns:c="http://schemas.openxmlformats.org/drawingml/2006/chart" xmlns:dgm="http://schemas.openxmlformats.org/drawingml/2006/diagram" xmlns:o="urn:schemas-microsoft-com:office:office" xmlns:v="urn:schemas-microsoft-com:vml" xmlns:pvml="urn:schemas-microsoft-com:office:powerpoint" xmlns:com="http://schemas.openxmlformats.org/drawingml/2006/compatibility" xmlns:p14="http://schemas.microsoft.com/office/powerpoint/2010/main" xmlns:p15="http://schemas.microsoft.com/office/powerpoint/2012/main">
+  <p:cSld>
+    <p:spTree>
+      <p:nvGrpSpPr>
+        <p:cNvPr id="176" name="Shape 176"/>
+        <p:cNvGrpSpPr/>
+        <p:nvPr/>
+      </p:nvGrpSpPr>
+      <p:grpSpPr>
+        <a:xfrm>
+          <a:off x="0" y="0"/>
+          <a:ext cx="0" cy="0"/>
+          <a:chOff x="0" y="0"/>
+          <a:chExt cx="0" cy="0"/>
+        </a:xfrm>
+      </p:grpSpPr>
+      <p:sp>
+        <p:nvSpPr>
+          <p:cNvPr id="177" name="Google Shape;177;p31"/>
+          <p:cNvSpPr txBox="1"/>
+          <p:nvPr>
+            <p:ph type="title"/>
+          </p:nvPr>
+        </p:nvSpPr>
+        <p:spPr>
+          <a:xfrm>
+            <a:off x="311725" y="500925"/>
+            <a:ext cx="8520600" cy="623700"/>
+          </a:xfrm>
+          <a:prstGeom prst="rect">
+            <a:avLst/>
+          </a:prstGeom>
+        </p:spPr>
+        <p:txBody>
+          <a:bodyPr anchorCtr="0" anchor="t" bIns="91425" lIns="91425" spcFirstLastPara="1" rIns="91425" wrap="square" tIns="91425">
+            <a:noAutofit/>
+          </a:bodyPr>
+          <a:lstStyle/>
+          <a:p>
+            <a:pPr indent="0" lvl="0" marL="0" rtl="0" algn="l">
+              <a:spcBef>
+                <a:spcPts val="0"/>
+              </a:spcBef>
+              <a:spcAft>
+                <a:spcPts val="0"/>
+              </a:spcAft>
+              <a:buNone/>
+            </a:pPr>
+            <a:r>
+              <a:rPr lang="en"/>
+              <a:t>References</a:t>
+            </a:r>
+            <a:endParaRPr/>
+          </a:p>
+        </p:txBody>
+      </p:sp>
+      <p:sp>
+        <p:nvSpPr>
+          <p:cNvPr id="178" name="Google Shape;178;p31"/>
+          <p:cNvSpPr txBox="1"/>
+          <p:nvPr/>
+        </p:nvSpPr>
+        <p:spPr>
+          <a:xfrm>
+            <a:off x="241100" y="1516925"/>
+            <a:ext cx="8591100" cy="3355200"/>
+          </a:xfrm>
+          <a:prstGeom prst="rect">
+            <a:avLst/>
+          </a:prstGeom>
+          <a:noFill/>
+          <a:ln>
+            <a:noFill/>
+          </a:ln>
+        </p:spPr>
+        <p:txBody>
+          <a:bodyPr anchorCtr="0" anchor="t" bIns="91425" lIns="91425" spcFirstLastPara="1" rIns="91425" wrap="square" tIns="91425">
+            <a:noAutofit/>
+          </a:bodyPr>
+          <a:lstStyle/>
+          <a:p>
+            <a:pPr indent="0" lvl="0" marL="0" rtl="0" algn="l">
+              <a:lnSpc>
+                <a:spcPct val="115000"/>
+              </a:lnSpc>
+              <a:spcBef>
+                <a:spcPts val="0"/>
+              </a:spcBef>
+              <a:spcAft>
+                <a:spcPts val="0"/>
+              </a:spcAft>
+              <a:buNone/>
+            </a:pPr>
+            <a:r>
+              <a:rPr lang="en"/>
+              <a:t>[1] J.  Gawryjolek,  C.  DiMarco  and  R.  Harris,  An  Annotation Tool for Automatically Detecting Rhetorical Figures SYSTEM DEMONSTRATION, 2009.</a:t>
+            </a:r>
+            <a:endParaRPr/>
+          </a:p>
+          <a:p>
+            <a:pPr indent="0" lvl="0" marL="0" rtl="0" algn="l">
+              <a:lnSpc>
+                <a:spcPct val="115000"/>
+              </a:lnSpc>
+              <a:spcBef>
+                <a:spcPts val="0"/>
+              </a:spcBef>
+              <a:spcAft>
+                <a:spcPts val="0"/>
+              </a:spcAft>
+              <a:buNone/>
+            </a:pPr>
+            <a:r>
+              <a:rPr lang="en"/>
+              <a:t>[2] M. Dubremetz and J. Nivre, Rhetorical Figure Detection: Chiasmus, Epanaphora, Epiphora, 2018, p. 10.</a:t>
+            </a:r>
+            <a:endParaRPr/>
+          </a:p>
+          <a:p>
+            <a:pPr indent="0" lvl="0" marL="0" rtl="0" algn="l">
+              <a:lnSpc>
+                <a:spcPct val="115000"/>
+              </a:lnSpc>
+              <a:spcBef>
+                <a:spcPts val="0"/>
+              </a:spcBef>
+              <a:spcAft>
+                <a:spcPts val="0"/>
+              </a:spcAft>
+              <a:buNone/>
+            </a:pPr>
+            <a:r>
+              <a:rPr lang="en"/>
+              <a:t>[3] M. Dubremetz and J. Nivre, Rhetorical Figure Detection: the Case of Chiasmus, Denver, Colorado, USA, 2015, pp. 23–31.</a:t>
+            </a:r>
+            <a:endParaRPr/>
+          </a:p>
+          <a:p>
+            <a:pPr indent="0" lvl="0" marL="0" rtl="0" algn="l">
+              <a:lnSpc>
+                <a:spcPct val="115000"/>
+              </a:lnSpc>
+              <a:spcBef>
+                <a:spcPts val="0"/>
+              </a:spcBef>
+              <a:spcAft>
+                <a:spcPts val="0"/>
+              </a:spcAft>
+              <a:buNone/>
+            </a:pPr>
+            <a:r>
+              <a:rPr lang="en"/>
+              <a:t>[4] M. Dubremetz and J. Nivre, Machine Learning for Rhetorical Figure Detection: More Chiasmus with Less Annotation, Gothenburg, Sweden, 2017, pp. 37–45.</a:t>
+            </a:r>
+            <a:endParaRPr/>
+          </a:p>
+          <a:p>
+            <a:pPr indent="0" lvl="0" marL="0" rtl="0" algn="l">
+              <a:lnSpc>
+                <a:spcPct val="115000"/>
+              </a:lnSpc>
+              <a:spcBef>
+                <a:spcPts val="0"/>
+              </a:spcBef>
+              <a:spcAft>
+                <a:spcPts val="0"/>
+              </a:spcAft>
+              <a:buNone/>
+            </a:pPr>
+            <a:r>
+              <a:rPr lang="en"/>
+              <a:t>[5] J. J. Gawryjolek, Automated Annotation and Visualization of Rhetorical Figures, 2009, http://hdl.handle.net/10012/4426.</a:t>
+            </a:r>
+            <a:endParaRPr/>
+          </a:p>
+          <a:p>
+            <a:pPr indent="0" lvl="0" marL="0" rtl="0" algn="l">
+              <a:lnSpc>
+                <a:spcPct val="115000"/>
+              </a:lnSpc>
+              <a:spcBef>
+                <a:spcPts val="0"/>
+              </a:spcBef>
+              <a:spcAft>
+                <a:spcPts val="0"/>
+              </a:spcAft>
+              <a:buNone/>
+            </a:pPr>
+            <a:r>
+              <a:rPr lang="en"/>
+              <a:t>[6] S. Ruan, C. D. Marco and R. A. Harris, Rhetorical Figure Annotation with XML, 2016.</a:t>
+            </a:r>
+            <a:endParaRPr/>
+          </a:p>
+          <a:p>
+            <a:pPr indent="0" lvl="0" marL="0" rtl="0" algn="l">
+              <a:lnSpc>
+                <a:spcPct val="115000"/>
+              </a:lnSpc>
+              <a:spcBef>
+                <a:spcPts val="0"/>
+              </a:spcBef>
+              <a:spcAft>
+                <a:spcPts val="0"/>
+              </a:spcAft>
+              <a:buNone/>
+            </a:pPr>
+            <a:r>
+              <a:rPr lang="en"/>
+              <a:t>[7] B. Englard, A Rhetorical Analysis Approach to Natural Language Processing, 2013.</a:t>
+            </a:r>
+            <a:endParaRPr/>
+          </a:p>
+          <a:p>
+            <a:pPr indent="0" lvl="0" marL="0" rtl="0" algn="l">
+              <a:lnSpc>
+                <a:spcPct val="115000"/>
+              </a:lnSpc>
+              <a:spcBef>
+                <a:spcPts val="1000"/>
+              </a:spcBef>
+              <a:spcAft>
+                <a:spcPts val="0"/>
+              </a:spcAft>
+              <a:buNone/>
+            </a:pPr>
+            <a:r>
+              <a:t/>
+            </a:r>
+            <a:endParaRPr sz="2500"/>
+          </a:p>
+        </p:txBody>
+      </p:sp>
+    </p:spTree>
+  </p:cSld>
+  <p:clrMapOvr>
+    <a:masterClrMapping/>
+  </p:clrMapOvr>
+</p:sld>
+</file>
+
 <file path=ppt/slides/slide2.xml><?xml version="1.0" encoding="utf-8"?>
 <p:sld xmlns:a="http://schemas.openxmlformats.org/drawingml/2006/main" xmlns:r="http://schemas.openxmlformats.org/officeDocument/2006/relationships" xmlns:mc="http://schemas.openxmlformats.org/markup-compatibility/2006" xmlns:mv="urn:schemas-microsoft-com:mac:vml" xmlns:p="http://schemas.openxmlformats.org/presentationml/2006/main" xmlns:c="http://schemas.openxmlformats.org/drawingml/2006/chart" xmlns:dgm="http://schemas.openxmlformats.org/drawingml/2006/diagram" xmlns:o="urn:schemas-microsoft-com:office:office" xmlns:v="urn:schemas-microsoft-com:vml" xmlns:pvml="urn:schemas-microsoft-com:office:powerpoint" xmlns:com="http://schemas.openxmlformats.org/drawingml/2006/compatibility" xmlns:p14="http://schemas.microsoft.com/office/powerpoint/2010/main" xmlns:p15="http://schemas.microsoft.com/office/powerpoint/2012/main">
   <p:cSld>
@@ -11729,6 +12171,83 @@
               <a:ea typeface="Roboto"/>
               <a:cs typeface="Roboto"/>
               <a:sym typeface="Roboto"/>
+            </a:endParaRPr>
+          </a:p>
+        </p:txBody>
+      </p:sp>
+    </p:spTree>
+  </p:cSld>
+  <p:clrMapOvr>
+    <a:masterClrMapping/>
+  </p:clrMapOvr>
+</p:sld>
+</file>
+
+<file path=ppt/slides/slide20.xml><?xml version="1.0" encoding="utf-8"?>
+<p:sld xmlns:a="http://schemas.openxmlformats.org/drawingml/2006/main" xmlns:r="http://schemas.openxmlformats.org/officeDocument/2006/relationships" xmlns:mc="http://schemas.openxmlformats.org/markup-compatibility/2006" xmlns:mv="urn:schemas-microsoft-com:mac:vml" xmlns:p="http://schemas.openxmlformats.org/presentationml/2006/main" xmlns:c="http://schemas.openxmlformats.org/drawingml/2006/chart" xmlns:dgm="http://schemas.openxmlformats.org/drawingml/2006/diagram" xmlns:o="urn:schemas-microsoft-com:office:office" xmlns:v="urn:schemas-microsoft-com:vml" xmlns:pvml="urn:schemas-microsoft-com:office:powerpoint" xmlns:com="http://schemas.openxmlformats.org/drawingml/2006/compatibility" xmlns:p14="http://schemas.microsoft.com/office/powerpoint/2010/main" xmlns:p15="http://schemas.microsoft.com/office/powerpoint/2012/main">
+  <p:cSld>
+    <p:spTree>
+      <p:nvGrpSpPr>
+        <p:cNvPr id="182" name="Shape 182"/>
+        <p:cNvGrpSpPr/>
+        <p:nvPr/>
+      </p:nvGrpSpPr>
+      <p:grpSpPr>
+        <a:xfrm>
+          <a:off x="0" y="0"/>
+          <a:ext cx="0" cy="0"/>
+          <a:chOff x="0" y="0"/>
+          <a:chExt cx="0" cy="0"/>
+        </a:xfrm>
+      </p:grpSpPr>
+      <p:sp>
+        <p:nvSpPr>
+          <p:cNvPr id="183" name="Google Shape;183;p32"/>
+          <p:cNvSpPr txBox="1"/>
+          <p:nvPr/>
+        </p:nvSpPr>
+        <p:spPr>
+          <a:xfrm>
+            <a:off x="1938850" y="1768100"/>
+            <a:ext cx="5806500" cy="2109600"/>
+          </a:xfrm>
+          <a:prstGeom prst="rect">
+            <a:avLst/>
+          </a:prstGeom>
+          <a:noFill/>
+          <a:ln>
+            <a:noFill/>
+          </a:ln>
+        </p:spPr>
+        <p:txBody>
+          <a:bodyPr anchorCtr="0" anchor="t" bIns="91425" lIns="91425" spcFirstLastPara="1" rIns="91425" wrap="square" tIns="91425">
+            <a:noAutofit/>
+          </a:bodyPr>
+          <a:lstStyle/>
+          <a:p>
+            <a:pPr indent="0" lvl="0" marL="0" rtl="0" algn="l">
+              <a:spcBef>
+                <a:spcPts val="0"/>
+              </a:spcBef>
+              <a:spcAft>
+                <a:spcPts val="0"/>
+              </a:spcAft>
+              <a:buNone/>
+            </a:pPr>
+            <a:r>
+              <a:rPr lang="en" sz="3000">
+                <a:latin typeface="Merriweather"/>
+                <a:ea typeface="Merriweather"/>
+                <a:cs typeface="Merriweather"/>
+                <a:sym typeface="Merriweather"/>
+              </a:rPr>
+              <a:t>Thank you for your Attention</a:t>
+            </a:r>
+            <a:endParaRPr sz="3000">
+              <a:latin typeface="Merriweather"/>
+              <a:ea typeface="Merriweather"/>
+              <a:cs typeface="Merriweather"/>
+              <a:sym typeface="Merriweather"/>
             </a:endParaRPr>
           </a:p>
         </p:txBody>
